--- a/Week4/Week4-Slides.pptx
+++ b/Week4/Week4-Slides.pptx
@@ -11,8 +11,7 @@
     <p:sldId id="260" r:id="rId5"/>
     <p:sldId id="261" r:id="rId6"/>
     <p:sldId id="262" r:id="rId7"/>
-    <p:sldId id="263" r:id="rId8"/>
-    <p:sldId id="264" r:id="rId9"/>
+    <p:sldId id="264" r:id="rId8"/>
   </p:sldIdLst>
   <p:sldSz cx="12192000" cy="6858000"/>
   <p:notesSz cx="6858000" cy="9144000"/>
@@ -111,6 +110,11 @@
       </a:defRPr>
     </a:lvl9pPr>
   </p:defaultTextStyle>
+  <p:extLst>
+    <p:ext uri="{EFAFB233-063F-42B5-8137-9DF3F51BA10A}">
+      <p15:sldGuideLst xmlns:p15="http://schemas.microsoft.com/office/powerpoint/2012/main"/>
+    </p:ext>
+  </p:extLst>
 </p:presentation>
 </file>
 
@@ -261,7 +265,7 @@
           <a:p>
             <a:fld id="{D08C3F1A-FC34-4E1B-A907-8E455FB0FD2A}" type="datetimeFigureOut">
               <a:rPr lang="en-US" smtClean="0"/>
-              <a:t>2/12/2022</a:t>
+              <a:t>2/13/2022</a:t>
             </a:fld>
             <a:endParaRPr lang="en-US"/>
           </a:p>
@@ -459,7 +463,7 @@
           <a:p>
             <a:fld id="{D08C3F1A-FC34-4E1B-A907-8E455FB0FD2A}" type="datetimeFigureOut">
               <a:rPr lang="en-US" smtClean="0"/>
-              <a:t>2/12/2022</a:t>
+              <a:t>2/13/2022</a:t>
             </a:fld>
             <a:endParaRPr lang="en-US"/>
           </a:p>
@@ -667,7 +671,7 @@
           <a:p>
             <a:fld id="{D08C3F1A-FC34-4E1B-A907-8E455FB0FD2A}" type="datetimeFigureOut">
               <a:rPr lang="en-US" smtClean="0"/>
-              <a:t>2/12/2022</a:t>
+              <a:t>2/13/2022</a:t>
             </a:fld>
             <a:endParaRPr lang="en-US"/>
           </a:p>
@@ -865,7 +869,7 @@
           <a:p>
             <a:fld id="{D08C3F1A-FC34-4E1B-A907-8E455FB0FD2A}" type="datetimeFigureOut">
               <a:rPr lang="en-US" smtClean="0"/>
-              <a:t>2/12/2022</a:t>
+              <a:t>2/13/2022</a:t>
             </a:fld>
             <a:endParaRPr lang="en-US"/>
           </a:p>
@@ -1140,7 +1144,7 @@
           <a:p>
             <a:fld id="{D08C3F1A-FC34-4E1B-A907-8E455FB0FD2A}" type="datetimeFigureOut">
               <a:rPr lang="en-US" smtClean="0"/>
-              <a:t>2/12/2022</a:t>
+              <a:t>2/13/2022</a:t>
             </a:fld>
             <a:endParaRPr lang="en-US"/>
           </a:p>
@@ -1405,7 +1409,7 @@
           <a:p>
             <a:fld id="{D08C3F1A-FC34-4E1B-A907-8E455FB0FD2A}" type="datetimeFigureOut">
               <a:rPr lang="en-US" smtClean="0"/>
-              <a:t>2/12/2022</a:t>
+              <a:t>2/13/2022</a:t>
             </a:fld>
             <a:endParaRPr lang="en-US"/>
           </a:p>
@@ -1817,7 +1821,7 @@
           <a:p>
             <a:fld id="{D08C3F1A-FC34-4E1B-A907-8E455FB0FD2A}" type="datetimeFigureOut">
               <a:rPr lang="en-US" smtClean="0"/>
-              <a:t>2/12/2022</a:t>
+              <a:t>2/13/2022</a:t>
             </a:fld>
             <a:endParaRPr lang="en-US"/>
           </a:p>
@@ -1958,7 +1962,7 @@
           <a:p>
             <a:fld id="{D08C3F1A-FC34-4E1B-A907-8E455FB0FD2A}" type="datetimeFigureOut">
               <a:rPr lang="en-US" smtClean="0"/>
-              <a:t>2/12/2022</a:t>
+              <a:t>2/13/2022</a:t>
             </a:fld>
             <a:endParaRPr lang="en-US"/>
           </a:p>
@@ -2071,7 +2075,7 @@
           <a:p>
             <a:fld id="{D08C3F1A-FC34-4E1B-A907-8E455FB0FD2A}" type="datetimeFigureOut">
               <a:rPr lang="en-US" smtClean="0"/>
-              <a:t>2/12/2022</a:t>
+              <a:t>2/13/2022</a:t>
             </a:fld>
             <a:endParaRPr lang="en-US"/>
           </a:p>
@@ -2382,7 +2386,7 @@
           <a:p>
             <a:fld id="{D08C3F1A-FC34-4E1B-A907-8E455FB0FD2A}" type="datetimeFigureOut">
               <a:rPr lang="en-US" smtClean="0"/>
-              <a:t>2/12/2022</a:t>
+              <a:t>2/13/2022</a:t>
             </a:fld>
             <a:endParaRPr lang="en-US"/>
           </a:p>
@@ -2670,7 +2674,7 @@
           <a:p>
             <a:fld id="{D08C3F1A-FC34-4E1B-A907-8E455FB0FD2A}" type="datetimeFigureOut">
               <a:rPr lang="en-US" smtClean="0"/>
-              <a:t>2/12/2022</a:t>
+              <a:t>2/13/2022</a:t>
             </a:fld>
             <a:endParaRPr lang="en-US"/>
           </a:p>
@@ -2911,7 +2915,7 @@
           <a:p>
             <a:fld id="{D08C3F1A-FC34-4E1B-A907-8E455FB0FD2A}" type="datetimeFigureOut">
               <a:rPr lang="en-US" smtClean="0"/>
-              <a:t>2/12/2022</a:t>
+              <a:t>2/13/2022</a:t>
             </a:fld>
             <a:endParaRPr lang="en-US"/>
           </a:p>
@@ -3852,10 +3856,10 @@
       </p:sp>
       <p:pic>
         <p:nvPicPr>
-          <p:cNvPr id="4" name="Picture 3">
-            <a:extLst>
-              <a:ext uri="{FF2B5EF4-FFF2-40B4-BE49-F238E27FC236}">
-                <a16:creationId xmlns:a16="http://schemas.microsoft.com/office/drawing/2014/main" id="{2FE9EC7B-6EFC-4DBA-A09F-14F2EBC4E53C}"/>
+          <p:cNvPr id="5" name="Picture 4">
+            <a:extLst>
+              <a:ext uri="{FF2B5EF4-FFF2-40B4-BE49-F238E27FC236}">
+                <a16:creationId xmlns:a16="http://schemas.microsoft.com/office/drawing/2014/main" id="{A1B09591-77D7-4768-A60B-7822D5252982}"/>
               </a:ext>
             </a:extLst>
           </p:cNvPr>
@@ -3872,8 +3876,8 @@
         </p:blipFill>
         <p:spPr>
           <a:xfrm>
-            <a:off x="760429" y="1690688"/>
-            <a:ext cx="10671142" cy="4361037"/>
+            <a:off x="838200" y="1690688"/>
+            <a:ext cx="9753600" cy="4143375"/>
           </a:xfrm>
           <a:prstGeom prst="rect">
             <a:avLst/>
@@ -3971,6 +3975,36 @@
           </a:prstGeom>
         </p:spPr>
       </p:pic>
+      <p:pic>
+        <p:nvPicPr>
+          <p:cNvPr id="4" name="Picture 3" descr="A picture containing shape&#10;&#10;Description automatically generated">
+            <a:extLst>
+              <a:ext uri="{FF2B5EF4-FFF2-40B4-BE49-F238E27FC236}">
+                <a16:creationId xmlns:a16="http://schemas.microsoft.com/office/drawing/2014/main" id="{8F7A6189-78EB-452F-AC81-198F37365505}"/>
+              </a:ext>
+            </a:extLst>
+          </p:cNvPr>
+          <p:cNvPicPr>
+            <a:picLocks noChangeAspect="1"/>
+          </p:cNvPicPr>
+          <p:nvPr/>
+        </p:nvPicPr>
+        <p:blipFill>
+          <a:blip r:embed="rId3"/>
+          <a:stretch>
+            <a:fillRect/>
+          </a:stretch>
+        </p:blipFill>
+        <p:spPr>
+          <a:xfrm>
+            <a:off x="3883418" y="2467494"/>
+            <a:ext cx="4425164" cy="4135910"/>
+          </a:xfrm>
+          <a:prstGeom prst="rect">
+            <a:avLst/>
+          </a:prstGeom>
+        </p:spPr>
+      </p:pic>
     </p:spTree>
     <p:extLst>
       <p:ext uri="{BB962C8B-B14F-4D97-AF65-F5344CB8AC3E}">
@@ -3985,108 +4019,6 @@
 </file>
 
 <file path=ppt/slides/slide7.xml><?xml version="1.0" encoding="utf-8"?>
-<p:sld xmlns:a="http://schemas.openxmlformats.org/drawingml/2006/main" xmlns:r="http://schemas.openxmlformats.org/officeDocument/2006/relationships" xmlns:p="http://schemas.openxmlformats.org/presentationml/2006/main">
-  <p:cSld>
-    <p:spTree>
-      <p:nvGrpSpPr>
-        <p:cNvPr id="1" name=""/>
-        <p:cNvGrpSpPr/>
-        <p:nvPr/>
-      </p:nvGrpSpPr>
-      <p:grpSpPr>
-        <a:xfrm>
-          <a:off x="0" y="0"/>
-          <a:ext cx="0" cy="0"/>
-          <a:chOff x="0" y="0"/>
-          <a:chExt cx="0" cy="0"/>
-        </a:xfrm>
-      </p:grpSpPr>
-      <p:sp>
-        <p:nvSpPr>
-          <p:cNvPr id="2" name="Title 1">
-            <a:extLst>
-              <a:ext uri="{FF2B5EF4-FFF2-40B4-BE49-F238E27FC236}">
-                <a16:creationId xmlns:a16="http://schemas.microsoft.com/office/drawing/2014/main" id="{5F25E193-89DE-43BF-9A69-E43F49679AFA}"/>
-              </a:ext>
-            </a:extLst>
-          </p:cNvPr>
-          <p:cNvSpPr>
-            <a:spLocks noGrp="1"/>
-          </p:cNvSpPr>
-          <p:nvPr>
-            <p:ph type="title"/>
-          </p:nvPr>
-        </p:nvSpPr>
-        <p:spPr/>
-        <p:txBody>
-          <a:bodyPr/>
-          <a:lstStyle/>
-          <a:p>
-            <a:r>
-              <a:rPr lang="en-US" b="1" dirty="0">
-                <a:latin typeface="Times New Roman" panose="02020603050405020304" pitchFamily="18" charset="0"/>
-                <a:cs typeface="Times New Roman" panose="02020603050405020304" pitchFamily="18" charset="0"/>
-              </a:rPr>
-              <a:t>Problem 2</a:t>
-            </a:r>
-          </a:p>
-        </p:txBody>
-      </p:sp>
-      <p:pic>
-        <p:nvPicPr>
-          <p:cNvPr id="5" name="Picture 4" descr="Shape&#10;&#10;Description automatically generated">
-            <a:extLst>
-              <a:ext uri="{FF2B5EF4-FFF2-40B4-BE49-F238E27FC236}">
-                <a16:creationId xmlns:a16="http://schemas.microsoft.com/office/drawing/2014/main" id="{65233BDB-51EC-4AE8-A32B-893252F7FF32}"/>
-              </a:ext>
-            </a:extLst>
-          </p:cNvPr>
-          <p:cNvPicPr>
-            <a:picLocks noChangeAspect="1"/>
-          </p:cNvPicPr>
-          <p:nvPr/>
-        </p:nvPicPr>
-        <p:blipFill>
-          <a:blip r:embed="rId2">
-            <a:extLst>
-              <a:ext uri="{28A0092B-C50C-407E-A947-70E740481C1C}">
-                <a14:useLocalDpi xmlns:a14="http://schemas.microsoft.com/office/drawing/2010/main" val="0"/>
-              </a:ext>
-            </a:extLst>
-          </a:blip>
-          <a:srcRect/>
-          <a:stretch>
-            <a:fillRect/>
-          </a:stretch>
-        </p:blipFill>
-        <p:spPr bwMode="auto">
-          <a:xfrm>
-            <a:off x="4105458" y="157318"/>
-            <a:ext cx="6584538" cy="6401545"/>
-          </a:xfrm>
-          <a:prstGeom prst="rect">
-            <a:avLst/>
-          </a:prstGeom>
-          <a:noFill/>
-          <a:ln>
-            <a:noFill/>
-          </a:ln>
-        </p:spPr>
-      </p:pic>
-    </p:spTree>
-    <p:extLst>
-      <p:ext uri="{BB962C8B-B14F-4D97-AF65-F5344CB8AC3E}">
-        <p14:creationId xmlns:p14="http://schemas.microsoft.com/office/powerpoint/2010/main" val="1942203914"/>
-      </p:ext>
-    </p:extLst>
-  </p:cSld>
-  <p:clrMapOvr>
-    <a:masterClrMapping/>
-  </p:clrMapOvr>
-</p:sld>
-</file>
-
-<file path=ppt/slides/slide8.xml><?xml version="1.0" encoding="utf-8"?>
 <p:sld xmlns:a="http://schemas.openxmlformats.org/drawingml/2006/main" xmlns:r="http://schemas.openxmlformats.org/officeDocument/2006/relationships" xmlns:p="http://schemas.openxmlformats.org/presentationml/2006/main">
   <p:cSld>
     <p:spTree>
